--- a/『最終発表用資料　各人』/まとめ/水餃子パネル.pptx
+++ b/『最終発表用資料　各人』/まとめ/水餃子パネル.pptx
@@ -288,7 +288,7 @@
           <a:p>
             <a:fld id="{4E47F956-7E44-4465-B553-5A8707E859BC}" type="datetimeFigureOut">
               <a:rPr kumimoji="1" lang="ja-JP" altLang="en-US" smtClean="0"/>
-              <a:t>2015/1/22</a:t>
+              <a:t>2015/1/23</a:t>
             </a:fld>
             <a:endParaRPr kumimoji="1" lang="ja-JP" altLang="en-US"/>
           </a:p>
@@ -490,7 +490,7 @@
           <a:p>
             <a:fld id="{4E47F956-7E44-4465-B553-5A8707E859BC}" type="datetimeFigureOut">
               <a:rPr kumimoji="1" lang="ja-JP" altLang="en-US" smtClean="0"/>
-              <a:t>2015/1/22</a:t>
+              <a:t>2015/1/23</a:t>
             </a:fld>
             <a:endParaRPr kumimoji="1" lang="ja-JP" altLang="en-US"/>
           </a:p>
@@ -702,7 +702,7 @@
           <a:p>
             <a:fld id="{4E47F956-7E44-4465-B553-5A8707E859BC}" type="datetimeFigureOut">
               <a:rPr kumimoji="1" lang="ja-JP" altLang="en-US" smtClean="0"/>
-              <a:t>2015/1/22</a:t>
+              <a:t>2015/1/23</a:t>
             </a:fld>
             <a:endParaRPr kumimoji="1" lang="ja-JP" altLang="en-US"/>
           </a:p>
@@ -904,7 +904,7 @@
           <a:p>
             <a:fld id="{4E47F956-7E44-4465-B553-5A8707E859BC}" type="datetimeFigureOut">
               <a:rPr kumimoji="1" lang="ja-JP" altLang="en-US" smtClean="0"/>
-              <a:t>2015/1/22</a:t>
+              <a:t>2015/1/23</a:t>
             </a:fld>
             <a:endParaRPr kumimoji="1" lang="ja-JP" altLang="en-US"/>
           </a:p>
@@ -1150,7 +1150,7 @@
           <a:p>
             <a:fld id="{4E47F956-7E44-4465-B553-5A8707E859BC}" type="datetimeFigureOut">
               <a:rPr kumimoji="1" lang="ja-JP" altLang="en-US" smtClean="0"/>
-              <a:t>2015/1/22</a:t>
+              <a:t>2015/1/23</a:t>
             </a:fld>
             <a:endParaRPr kumimoji="1" lang="ja-JP" altLang="en-US"/>
           </a:p>
@@ -1502,7 +1502,7 @@
           <a:p>
             <a:fld id="{4E47F956-7E44-4465-B553-5A8707E859BC}" type="datetimeFigureOut">
               <a:rPr kumimoji="1" lang="ja-JP" altLang="en-US" smtClean="0"/>
-              <a:t>2015/1/22</a:t>
+              <a:t>2015/1/23</a:t>
             </a:fld>
             <a:endParaRPr kumimoji="1" lang="ja-JP" altLang="en-US"/>
           </a:p>
@@ -1988,7 +1988,7 @@
           <a:p>
             <a:fld id="{4E47F956-7E44-4465-B553-5A8707E859BC}" type="datetimeFigureOut">
               <a:rPr kumimoji="1" lang="ja-JP" altLang="en-US" smtClean="0"/>
-              <a:t>2015/1/22</a:t>
+              <a:t>2015/1/23</a:t>
             </a:fld>
             <a:endParaRPr kumimoji="1" lang="ja-JP" altLang="en-US"/>
           </a:p>
@@ -2106,7 +2106,7 @@
           <a:p>
             <a:fld id="{4E47F956-7E44-4465-B553-5A8707E859BC}" type="datetimeFigureOut">
               <a:rPr kumimoji="1" lang="ja-JP" altLang="en-US" smtClean="0"/>
-              <a:t>2015/1/22</a:t>
+              <a:t>2015/1/23</a:t>
             </a:fld>
             <a:endParaRPr kumimoji="1" lang="ja-JP" altLang="en-US"/>
           </a:p>
@@ -2201,7 +2201,7 @@
           <a:p>
             <a:fld id="{4E47F956-7E44-4465-B553-5A8707E859BC}" type="datetimeFigureOut">
               <a:rPr kumimoji="1" lang="ja-JP" altLang="en-US" smtClean="0"/>
-              <a:t>2015/1/22</a:t>
+              <a:t>2015/1/23</a:t>
             </a:fld>
             <a:endParaRPr kumimoji="1" lang="ja-JP" altLang="en-US"/>
           </a:p>
@@ -2510,7 +2510,7 @@
           <a:p>
             <a:fld id="{4E47F956-7E44-4465-B553-5A8707E859BC}" type="datetimeFigureOut">
               <a:rPr kumimoji="1" lang="ja-JP" altLang="en-US" smtClean="0"/>
-              <a:t>2015/1/22</a:t>
+              <a:t>2015/1/23</a:t>
             </a:fld>
             <a:endParaRPr kumimoji="1" lang="ja-JP" altLang="en-US"/>
           </a:p>
@@ -2763,7 +2763,7 @@
           <a:p>
             <a:fld id="{4E47F956-7E44-4465-B553-5A8707E859BC}" type="datetimeFigureOut">
               <a:rPr kumimoji="1" lang="ja-JP" altLang="en-US" smtClean="0"/>
-              <a:t>2015/1/22</a:t>
+              <a:t>2015/1/23</a:t>
             </a:fld>
             <a:endParaRPr kumimoji="1" lang="ja-JP" altLang="en-US"/>
           </a:p>
@@ -3008,7 +3008,7 @@
           <a:p>
             <a:fld id="{4E47F956-7E44-4465-B553-5A8707E859BC}" type="datetimeFigureOut">
               <a:rPr kumimoji="1" lang="ja-JP" altLang="en-US" smtClean="0"/>
-              <a:t>2015/1/22</a:t>
+              <a:t>2015/1/23</a:t>
             </a:fld>
             <a:endParaRPr kumimoji="1" lang="ja-JP" altLang="en-US"/>
           </a:p>
@@ -3454,7 +3454,7 @@
         </p:blipFill>
         <p:spPr>
           <a:xfrm>
-            <a:off x="2656384" y="641799"/>
+            <a:off x="4574151" y="666699"/>
             <a:ext cx="8227449" cy="8227449"/>
           </a:xfrm>
           <a:prstGeom prst="rect">
@@ -3516,6 +3516,455 @@
           </a:p>
           <a:p>
             <a:endParaRPr kumimoji="1" lang="ja-JP" altLang="en-US" dirty="0"/>
+          </a:p>
+        </p:txBody>
+      </p:sp>
+      <p:sp>
+        <p:nvSpPr>
+          <p:cNvPr id="2" name="テキスト ボックス 1"/>
+          <p:cNvSpPr txBox="1"/>
+          <p:nvPr/>
+        </p:nvSpPr>
+        <p:spPr>
+          <a:xfrm flipH="1">
+            <a:off x="56184" y="666699"/>
+            <a:ext cx="12745416" cy="6632585"/>
+          </a:xfrm>
+          <a:prstGeom prst="rect">
+            <a:avLst/>
+          </a:prstGeom>
+          <a:noFill/>
+        </p:spPr>
+        <p:txBody>
+          <a:bodyPr wrap="square" rtlCol="0">
+            <a:spAutoFit/>
+          </a:bodyPr>
+          <a:lstStyle/>
+          <a:p>
+            <a:r>
+              <a:rPr lang="ja-JP" altLang="en-US" dirty="0">
+                <a:solidFill>
+                  <a:schemeClr val="bg1"/>
+                </a:solidFill>
+              </a:rPr>
+              <a:t>作品名</a:t>
+            </a:r>
+            <a:r>
+              <a:rPr lang="ja-JP" altLang="en-US" dirty="0" smtClean="0">
+                <a:solidFill>
+                  <a:schemeClr val="bg1"/>
+                </a:solidFill>
+              </a:rPr>
+              <a:t>：</a:t>
+            </a:r>
+            <a:r>
+              <a:rPr lang="en-US" altLang="ja-JP" dirty="0" smtClean="0">
+                <a:solidFill>
+                  <a:schemeClr val="bg1"/>
+                </a:solidFill>
+              </a:rPr>
+              <a:t>Survivor</a:t>
+            </a:r>
+            <a:endParaRPr lang="ja-JP" altLang="en-US" dirty="0">
+              <a:solidFill>
+                <a:schemeClr val="bg1"/>
+              </a:solidFill>
+            </a:endParaRPr>
+          </a:p>
+          <a:p>
+            <a:r>
+              <a:rPr lang="ja-JP" altLang="en-US" dirty="0">
+                <a:solidFill>
+                  <a:schemeClr val="bg1"/>
+                </a:solidFill>
+              </a:rPr>
+              <a:t>使用言語</a:t>
+            </a:r>
+            <a:r>
+              <a:rPr lang="ja-JP" altLang="en-US" dirty="0" smtClean="0">
+                <a:solidFill>
+                  <a:schemeClr val="bg1"/>
+                </a:solidFill>
+              </a:rPr>
+              <a:t>：</a:t>
+            </a:r>
+            <a:r>
+              <a:rPr lang="en-US" altLang="ja-JP" dirty="0" smtClean="0">
+                <a:solidFill>
+                  <a:schemeClr val="bg1"/>
+                </a:solidFill>
+              </a:rPr>
+              <a:t>C#</a:t>
+            </a:r>
+            <a:endParaRPr lang="ja-JP" altLang="en-US" dirty="0">
+              <a:solidFill>
+                <a:schemeClr val="bg1"/>
+              </a:solidFill>
+            </a:endParaRPr>
+          </a:p>
+          <a:p>
+            <a:r>
+              <a:rPr lang="ja-JP" altLang="en-US" dirty="0">
+                <a:solidFill>
+                  <a:schemeClr val="bg1"/>
+                </a:solidFill>
+              </a:rPr>
+              <a:t>開発環境</a:t>
+            </a:r>
+            <a:r>
+              <a:rPr lang="ja-JP" altLang="en-US" dirty="0" smtClean="0">
+                <a:solidFill>
+                  <a:schemeClr val="bg1"/>
+                </a:solidFill>
+              </a:rPr>
+              <a:t>：</a:t>
+            </a:r>
+            <a:r>
+              <a:rPr lang="en-US" altLang="ja-JP" dirty="0" smtClean="0">
+                <a:solidFill>
+                  <a:schemeClr val="bg1"/>
+                </a:solidFill>
+              </a:rPr>
+              <a:t>Unity4.6</a:t>
+            </a:r>
+            <a:endParaRPr lang="ja-JP" altLang="en-US" dirty="0">
+              <a:solidFill>
+                <a:schemeClr val="bg1"/>
+              </a:solidFill>
+            </a:endParaRPr>
+          </a:p>
+          <a:p>
+            <a:r>
+              <a:rPr lang="en-US" altLang="ja-JP" dirty="0">
+                <a:solidFill>
+                  <a:schemeClr val="bg1"/>
+                </a:solidFill>
+              </a:rPr>
+              <a:t>PR</a:t>
+            </a:r>
+            <a:r>
+              <a:rPr lang="ja-JP" altLang="en-US" dirty="0">
+                <a:solidFill>
+                  <a:schemeClr val="bg1"/>
+                </a:solidFill>
+              </a:rPr>
+              <a:t>技術</a:t>
+            </a:r>
+            <a:r>
+              <a:rPr lang="ja-JP" altLang="en-US" dirty="0" smtClean="0">
+                <a:solidFill>
+                  <a:schemeClr val="bg1"/>
+                </a:solidFill>
+              </a:rPr>
+              <a:t>：</a:t>
+            </a:r>
+            <a:r>
+              <a:rPr lang="en-US" altLang="ja-JP" dirty="0" smtClean="0">
+                <a:solidFill>
+                  <a:schemeClr val="bg1"/>
+                </a:solidFill>
+              </a:rPr>
+              <a:t>Unity</a:t>
+            </a:r>
+            <a:r>
+              <a:rPr lang="ja-JP" altLang="en-US" dirty="0" smtClean="0">
+                <a:solidFill>
+                  <a:schemeClr val="bg1"/>
+                </a:solidFill>
+              </a:rPr>
+              <a:t>新要素、プレイヤーに不快感を与えない設計</a:t>
+            </a:r>
+            <a:endParaRPr lang="ja-JP" altLang="en-US" dirty="0">
+              <a:solidFill>
+                <a:schemeClr val="bg1"/>
+              </a:solidFill>
+            </a:endParaRPr>
+          </a:p>
+          <a:p>
+            <a:r>
+              <a:rPr lang="ja-JP" altLang="en-US" dirty="0">
+                <a:solidFill>
+                  <a:schemeClr val="bg1"/>
+                </a:solidFill>
+              </a:rPr>
+              <a:t>使用デバイス</a:t>
+            </a:r>
+            <a:r>
+              <a:rPr lang="ja-JP" altLang="en-US" dirty="0" smtClean="0">
+                <a:solidFill>
+                  <a:schemeClr val="bg1"/>
+                </a:solidFill>
+              </a:rPr>
+              <a:t>：</a:t>
+            </a:r>
+            <a:r>
+              <a:rPr lang="en-US" altLang="ja-JP" dirty="0">
+                <a:solidFill>
+                  <a:schemeClr val="bg1"/>
+                </a:solidFill>
+              </a:rPr>
+              <a:t>Android</a:t>
+            </a:r>
+            <a:endParaRPr lang="ja-JP" altLang="en-US" dirty="0">
+              <a:solidFill>
+                <a:schemeClr val="bg1"/>
+              </a:solidFill>
+            </a:endParaRPr>
+          </a:p>
+          <a:p>
+            <a:r>
+              <a:rPr lang="ja-JP" altLang="en-US" dirty="0">
+                <a:solidFill>
+                  <a:schemeClr val="bg1"/>
+                </a:solidFill>
+              </a:rPr>
+              <a:t>チーム　</a:t>
+            </a:r>
+            <a:r>
+              <a:rPr lang="en-US" altLang="ja-JP" dirty="0" smtClean="0">
+                <a:solidFill>
+                  <a:schemeClr val="bg1"/>
+                </a:solidFill>
+              </a:rPr>
+              <a:t>6</a:t>
+            </a:r>
+            <a:r>
+              <a:rPr lang="ja-JP" altLang="en-US" dirty="0" smtClean="0">
+                <a:solidFill>
+                  <a:schemeClr val="bg1"/>
+                </a:solidFill>
+              </a:rPr>
+              <a:t>人</a:t>
+            </a:r>
+            <a:endParaRPr lang="ja-JP" altLang="en-US" dirty="0">
+              <a:solidFill>
+                <a:schemeClr val="bg1"/>
+              </a:solidFill>
+            </a:endParaRPr>
+          </a:p>
+          <a:p>
+            <a:r>
+              <a:rPr lang="ja-JP" altLang="en-US" dirty="0" smtClean="0">
+                <a:solidFill>
+                  <a:schemeClr val="bg1"/>
+                </a:solidFill>
+              </a:rPr>
+              <a:t>・鷲津</a:t>
+            </a:r>
+            <a:r>
+              <a:rPr lang="ja-JP" altLang="en-US" dirty="0">
+                <a:solidFill>
+                  <a:schemeClr val="bg1"/>
+                </a:solidFill>
+              </a:rPr>
+              <a:t>　俊太</a:t>
+            </a:r>
+            <a:endParaRPr lang="en-US" altLang="ja-JP" dirty="0">
+              <a:solidFill>
+                <a:schemeClr val="bg1"/>
+              </a:solidFill>
+            </a:endParaRPr>
+          </a:p>
+          <a:p>
+            <a:r>
+              <a:rPr lang="ja-JP" altLang="en-US" dirty="0" smtClean="0">
+                <a:solidFill>
+                  <a:schemeClr val="bg1"/>
+                </a:solidFill>
+              </a:rPr>
+              <a:t>・浅尾</a:t>
+            </a:r>
+            <a:r>
+              <a:rPr lang="ja-JP" altLang="en-US" dirty="0">
+                <a:solidFill>
+                  <a:schemeClr val="bg1"/>
+                </a:solidFill>
+              </a:rPr>
+              <a:t>　宗彦</a:t>
+            </a:r>
+            <a:endParaRPr lang="en-US" altLang="ja-JP" dirty="0">
+              <a:solidFill>
+                <a:schemeClr val="bg1"/>
+              </a:solidFill>
+            </a:endParaRPr>
+          </a:p>
+          <a:p>
+            <a:r>
+              <a:rPr lang="ja-JP" altLang="en-US" dirty="0" smtClean="0">
+                <a:solidFill>
+                  <a:schemeClr val="bg1"/>
+                </a:solidFill>
+              </a:rPr>
+              <a:t>・河辺</a:t>
+            </a:r>
+            <a:r>
+              <a:rPr lang="ja-JP" altLang="en-US" dirty="0">
+                <a:solidFill>
+                  <a:schemeClr val="bg1"/>
+                </a:solidFill>
+              </a:rPr>
+              <a:t>　拓也</a:t>
+            </a:r>
+            <a:endParaRPr lang="en-US" altLang="ja-JP" dirty="0">
+              <a:solidFill>
+                <a:schemeClr val="bg1"/>
+              </a:solidFill>
+            </a:endParaRPr>
+          </a:p>
+          <a:p>
+            <a:r>
+              <a:rPr lang="ja-JP" altLang="en-US" dirty="0" smtClean="0">
+                <a:solidFill>
+                  <a:schemeClr val="bg1"/>
+                </a:solidFill>
+              </a:rPr>
+              <a:t>・瀧口</a:t>
+            </a:r>
+            <a:r>
+              <a:rPr lang="ja-JP" altLang="en-US" dirty="0">
+                <a:solidFill>
+                  <a:schemeClr val="bg1"/>
+                </a:solidFill>
+              </a:rPr>
+              <a:t>　昂成</a:t>
+            </a:r>
+            <a:endParaRPr lang="en-US" altLang="ja-JP" dirty="0">
+              <a:solidFill>
+                <a:schemeClr val="bg1"/>
+              </a:solidFill>
+            </a:endParaRPr>
+          </a:p>
+          <a:p>
+            <a:r>
+              <a:rPr lang="ja-JP" altLang="en-US" dirty="0" smtClean="0">
+                <a:solidFill>
+                  <a:schemeClr val="bg1"/>
+                </a:solidFill>
+              </a:rPr>
+              <a:t>・兵藤</a:t>
+            </a:r>
+            <a:r>
+              <a:rPr lang="ja-JP" altLang="en-US" dirty="0">
+                <a:solidFill>
+                  <a:schemeClr val="bg1"/>
+                </a:solidFill>
+              </a:rPr>
+              <a:t>　慈憂座</a:t>
+            </a:r>
+            <a:endParaRPr lang="en-US" altLang="ja-JP" dirty="0">
+              <a:solidFill>
+                <a:schemeClr val="bg1"/>
+              </a:solidFill>
+            </a:endParaRPr>
+          </a:p>
+          <a:p>
+            <a:r>
+              <a:rPr lang="ja-JP" altLang="en-US" dirty="0" smtClean="0">
+                <a:solidFill>
+                  <a:schemeClr val="bg1"/>
+                </a:solidFill>
+              </a:rPr>
+              <a:t>・森　　 勇</a:t>
+            </a:r>
+            <a:r>
+              <a:rPr lang="ja-JP" altLang="en-US" dirty="0">
+                <a:solidFill>
+                  <a:schemeClr val="bg1"/>
+                </a:solidFill>
+              </a:rPr>
+              <a:t>介</a:t>
+            </a:r>
+            <a:endParaRPr lang="en-US" altLang="ja-JP" dirty="0">
+              <a:solidFill>
+                <a:schemeClr val="bg1"/>
+              </a:solidFill>
+            </a:endParaRPr>
+          </a:p>
+          <a:p>
+            <a:endParaRPr lang="ja-JP" altLang="en-US" dirty="0">
+              <a:solidFill>
+                <a:schemeClr val="bg1"/>
+              </a:solidFill>
+            </a:endParaRPr>
+          </a:p>
+          <a:p>
+            <a:r>
+              <a:rPr lang="ja-JP" altLang="en-US" dirty="0">
+                <a:solidFill>
+                  <a:schemeClr val="bg1"/>
+                </a:solidFill>
+              </a:rPr>
+              <a:t>ゲーム概要</a:t>
+            </a:r>
+          </a:p>
+          <a:p>
+            <a:r>
+              <a:rPr lang="ja-JP" altLang="en-US" dirty="0">
+                <a:solidFill>
+                  <a:schemeClr val="bg1"/>
+                </a:solidFill>
+              </a:rPr>
+              <a:t>キャッチコピー</a:t>
+            </a:r>
+            <a:r>
+              <a:rPr lang="ja-JP" altLang="en-US" dirty="0" smtClean="0">
+                <a:solidFill>
+                  <a:schemeClr val="bg1"/>
+                </a:solidFill>
+              </a:rPr>
+              <a:t>：避けて近</a:t>
+            </a:r>
+            <a:r>
+              <a:rPr lang="ja-JP" altLang="en-US" dirty="0" err="1" smtClean="0">
+                <a:solidFill>
+                  <a:schemeClr val="bg1"/>
+                </a:solidFill>
+              </a:rPr>
+              <a:t>じて</a:t>
+            </a:r>
+            <a:r>
+              <a:rPr lang="ja-JP" altLang="en-US" smtClean="0">
+                <a:solidFill>
+                  <a:schemeClr val="bg1"/>
+                </a:solidFill>
+              </a:rPr>
+              <a:t>倒せ！！</a:t>
+            </a:r>
+            <a:endParaRPr lang="ja-JP" altLang="en-US" dirty="0">
+              <a:solidFill>
+                <a:schemeClr val="bg1"/>
+              </a:solidFill>
+            </a:endParaRPr>
+          </a:p>
+          <a:p>
+            <a:endParaRPr lang="ja-JP" altLang="en-US" dirty="0">
+              <a:solidFill>
+                <a:schemeClr val="bg1"/>
+              </a:solidFill>
+            </a:endParaRPr>
+          </a:p>
+          <a:p>
+            <a:r>
+              <a:rPr lang="ja-JP" altLang="en-US" dirty="0">
+                <a:solidFill>
+                  <a:schemeClr val="bg1"/>
+                </a:solidFill>
+              </a:rPr>
+              <a:t>プレイ</a:t>
+            </a:r>
+            <a:r>
+              <a:rPr lang="ja-JP" altLang="en-US" dirty="0" smtClean="0">
+                <a:solidFill>
+                  <a:schemeClr val="bg1"/>
+                </a:solidFill>
+              </a:rPr>
+              <a:t>方法</a:t>
+            </a:r>
+            <a:endParaRPr lang="ja-JP" altLang="en-US" dirty="0">
+              <a:solidFill>
+                <a:schemeClr val="bg1"/>
+              </a:solidFill>
+            </a:endParaRPr>
           </a:p>
         </p:txBody>
       </p:sp>

--- a/『最終発表用資料　各人』/まとめ/水餃子パネル.pptx
+++ b/『最終発表用資料　各人』/まとめ/水餃子パネル.pptx
@@ -288,7 +288,7 @@
           <a:p>
             <a:fld id="{4E47F956-7E44-4465-B553-5A8707E859BC}" type="datetimeFigureOut">
               <a:rPr kumimoji="1" lang="ja-JP" altLang="en-US" smtClean="0"/>
-              <a:t>2015/1/23</a:t>
+              <a:t>2015/1/27</a:t>
             </a:fld>
             <a:endParaRPr kumimoji="1" lang="ja-JP" altLang="en-US"/>
           </a:p>
@@ -490,7 +490,7 @@
           <a:p>
             <a:fld id="{4E47F956-7E44-4465-B553-5A8707E859BC}" type="datetimeFigureOut">
               <a:rPr kumimoji="1" lang="ja-JP" altLang="en-US" smtClean="0"/>
-              <a:t>2015/1/23</a:t>
+              <a:t>2015/1/27</a:t>
             </a:fld>
             <a:endParaRPr kumimoji="1" lang="ja-JP" altLang="en-US"/>
           </a:p>
@@ -702,7 +702,7 @@
           <a:p>
             <a:fld id="{4E47F956-7E44-4465-B553-5A8707E859BC}" type="datetimeFigureOut">
               <a:rPr kumimoji="1" lang="ja-JP" altLang="en-US" smtClean="0"/>
-              <a:t>2015/1/23</a:t>
+              <a:t>2015/1/27</a:t>
             </a:fld>
             <a:endParaRPr kumimoji="1" lang="ja-JP" altLang="en-US"/>
           </a:p>
@@ -904,7 +904,7 @@
           <a:p>
             <a:fld id="{4E47F956-7E44-4465-B553-5A8707E859BC}" type="datetimeFigureOut">
               <a:rPr kumimoji="1" lang="ja-JP" altLang="en-US" smtClean="0"/>
-              <a:t>2015/1/23</a:t>
+              <a:t>2015/1/27</a:t>
             </a:fld>
             <a:endParaRPr kumimoji="1" lang="ja-JP" altLang="en-US"/>
           </a:p>
@@ -1150,7 +1150,7 @@
           <a:p>
             <a:fld id="{4E47F956-7E44-4465-B553-5A8707E859BC}" type="datetimeFigureOut">
               <a:rPr kumimoji="1" lang="ja-JP" altLang="en-US" smtClean="0"/>
-              <a:t>2015/1/23</a:t>
+              <a:t>2015/1/27</a:t>
             </a:fld>
             <a:endParaRPr kumimoji="1" lang="ja-JP" altLang="en-US"/>
           </a:p>
@@ -1502,7 +1502,7 @@
           <a:p>
             <a:fld id="{4E47F956-7E44-4465-B553-5A8707E859BC}" type="datetimeFigureOut">
               <a:rPr kumimoji="1" lang="ja-JP" altLang="en-US" smtClean="0"/>
-              <a:t>2015/1/23</a:t>
+              <a:t>2015/1/27</a:t>
             </a:fld>
             <a:endParaRPr kumimoji="1" lang="ja-JP" altLang="en-US"/>
           </a:p>
@@ -1988,7 +1988,7 @@
           <a:p>
             <a:fld id="{4E47F956-7E44-4465-B553-5A8707E859BC}" type="datetimeFigureOut">
               <a:rPr kumimoji="1" lang="ja-JP" altLang="en-US" smtClean="0"/>
-              <a:t>2015/1/23</a:t>
+              <a:t>2015/1/27</a:t>
             </a:fld>
             <a:endParaRPr kumimoji="1" lang="ja-JP" altLang="en-US"/>
           </a:p>
@@ -2106,7 +2106,7 @@
           <a:p>
             <a:fld id="{4E47F956-7E44-4465-B553-5A8707E859BC}" type="datetimeFigureOut">
               <a:rPr kumimoji="1" lang="ja-JP" altLang="en-US" smtClean="0"/>
-              <a:t>2015/1/23</a:t>
+              <a:t>2015/1/27</a:t>
             </a:fld>
             <a:endParaRPr kumimoji="1" lang="ja-JP" altLang="en-US"/>
           </a:p>
@@ -2201,7 +2201,7 @@
           <a:p>
             <a:fld id="{4E47F956-7E44-4465-B553-5A8707E859BC}" type="datetimeFigureOut">
               <a:rPr kumimoji="1" lang="ja-JP" altLang="en-US" smtClean="0"/>
-              <a:t>2015/1/23</a:t>
+              <a:t>2015/1/27</a:t>
             </a:fld>
             <a:endParaRPr kumimoji="1" lang="ja-JP" altLang="en-US"/>
           </a:p>
@@ -2510,7 +2510,7 @@
           <a:p>
             <a:fld id="{4E47F956-7E44-4465-B553-5A8707E859BC}" type="datetimeFigureOut">
               <a:rPr kumimoji="1" lang="ja-JP" altLang="en-US" smtClean="0"/>
-              <a:t>2015/1/23</a:t>
+              <a:t>2015/1/27</a:t>
             </a:fld>
             <a:endParaRPr kumimoji="1" lang="ja-JP" altLang="en-US"/>
           </a:p>
@@ -2763,7 +2763,7 @@
           <a:p>
             <a:fld id="{4E47F956-7E44-4465-B553-5A8707E859BC}" type="datetimeFigureOut">
               <a:rPr kumimoji="1" lang="ja-JP" altLang="en-US" smtClean="0"/>
-              <a:t>2015/1/23</a:t>
+              <a:t>2015/1/27</a:t>
             </a:fld>
             <a:endParaRPr kumimoji="1" lang="ja-JP" altLang="en-US"/>
           </a:p>
@@ -3008,7 +3008,7 @@
           <a:p>
             <a:fld id="{4E47F956-7E44-4465-B553-5A8707E859BC}" type="datetimeFigureOut">
               <a:rPr kumimoji="1" lang="ja-JP" altLang="en-US" smtClean="0"/>
-              <a:t>2015/1/23</a:t>
+              <a:t>2015/1/27</a:t>
             </a:fld>
             <a:endParaRPr kumimoji="1" lang="ja-JP" altLang="en-US"/>
           </a:p>
@@ -3454,8 +3454,8 @@
         </p:blipFill>
         <p:spPr>
           <a:xfrm>
-            <a:off x="4574151" y="666699"/>
-            <a:ext cx="8227449" cy="8227449"/>
+            <a:off x="4800225" y="-90153"/>
+            <a:ext cx="7793263" cy="7793263"/>
           </a:xfrm>
           <a:prstGeom prst="rect">
             <a:avLst/>
@@ -3464,510 +3464,727 @@
       </p:pic>
       <p:sp>
         <p:nvSpPr>
-          <p:cNvPr id="6" name="テキスト ボックス 5"/>
+          <p:cNvPr id="2" name="テキスト ボックス 1"/>
           <p:cNvSpPr txBox="1"/>
           <p:nvPr/>
         </p:nvSpPr>
         <p:spPr>
-          <a:xfrm>
-            <a:off x="32589" y="8169056"/>
-            <a:ext cx="5247590" cy="1400383"/>
+          <a:xfrm flipH="1">
+            <a:off x="-135782" y="264096"/>
+            <a:ext cx="7587844" cy="8956298"/>
           </a:xfrm>
           <a:prstGeom prst="rect">
             <a:avLst/>
           </a:prstGeom>
           <a:noFill/>
+          <a:ln>
+            <a:noFill/>
+          </a:ln>
         </p:spPr>
         <p:txBody>
-          <a:bodyPr wrap="none" rtlCol="0">
+          <a:bodyPr wrap="square" rtlCol="0">
             <a:spAutoFit/>
           </a:bodyPr>
           <a:lstStyle/>
           <a:p>
             <a:r>
-              <a:rPr lang="en-US" altLang="ja-JP" sz="4000" b="1" i="1" dirty="0" smtClean="0">
-                <a:solidFill>
-                  <a:schemeClr val="bg1"/>
-                </a:solidFill>
-              </a:rPr>
-              <a:t>GT3	</a:t>
-            </a:r>
-            <a:r>
-              <a:rPr lang="ja-JP" altLang="en-US" sz="4000" b="1" i="1" dirty="0" smtClean="0">
-                <a:solidFill>
-                  <a:schemeClr val="bg1"/>
-                </a:solidFill>
-              </a:rPr>
-              <a:t>チーム</a:t>
-            </a:r>
-            <a:r>
-              <a:rPr lang="ja-JP" altLang="en-US" sz="6000" b="1" i="1" dirty="0" smtClean="0">
-                <a:solidFill>
-                  <a:schemeClr val="bg1"/>
-                </a:solidFill>
-              </a:rPr>
-              <a:t>酔餃子</a:t>
-            </a:r>
-            <a:endParaRPr lang="en-US" altLang="ja-JP" sz="6000" b="1" i="1" dirty="0" smtClean="0">
+              <a:rPr lang="ja-JP" altLang="en-US" sz="2400" b="1" i="1" dirty="0">
+                <a:solidFill>
+                  <a:schemeClr val="bg1"/>
+                </a:solidFill>
+              </a:rPr>
+              <a:t>作品名</a:t>
+            </a:r>
+            <a:r>
+              <a:rPr lang="ja-JP" altLang="en-US" sz="2400" b="1" i="1" dirty="0" smtClean="0">
+                <a:solidFill>
+                  <a:schemeClr val="bg1"/>
+                </a:solidFill>
+              </a:rPr>
+              <a:t>：</a:t>
+            </a:r>
+            <a:endParaRPr lang="en-US" altLang="ja-JP" sz="2400" b="1" i="1" dirty="0" smtClean="0">
               <a:solidFill>
                 <a:schemeClr val="bg1"/>
               </a:solidFill>
             </a:endParaRPr>
           </a:p>
           <a:p>
-            <a:endParaRPr kumimoji="1" lang="ja-JP" altLang="en-US" dirty="0"/>
-          </a:p>
-        </p:txBody>
-      </p:sp>
-      <p:sp>
-        <p:nvSpPr>
-          <p:cNvPr id="2" name="テキスト ボックス 1"/>
-          <p:cNvSpPr txBox="1"/>
+            <a:r>
+              <a:rPr lang="ja-JP" altLang="en-US" sz="2400" dirty="0" smtClean="0">
+                <a:solidFill>
+                  <a:schemeClr val="bg1"/>
+                </a:solidFill>
+              </a:rPr>
+              <a:t>　・</a:t>
+            </a:r>
+            <a:r>
+              <a:rPr lang="en-US" altLang="ja-JP" sz="2400" dirty="0" smtClean="0">
+                <a:solidFill>
+                  <a:schemeClr val="bg1"/>
+                </a:solidFill>
+              </a:rPr>
+              <a:t>Survivor</a:t>
+            </a:r>
+            <a:endParaRPr lang="ja-JP" altLang="en-US" sz="2400" dirty="0" smtClean="0">
+              <a:solidFill>
+                <a:schemeClr val="bg1"/>
+              </a:solidFill>
+            </a:endParaRPr>
+          </a:p>
+          <a:p>
+            <a:r>
+              <a:rPr lang="ja-JP" altLang="en-US" sz="2400" b="1" i="1" dirty="0" smtClean="0">
+                <a:solidFill>
+                  <a:schemeClr val="bg1"/>
+                </a:solidFill>
+              </a:rPr>
+              <a:t>使用</a:t>
+            </a:r>
+            <a:r>
+              <a:rPr lang="ja-JP" altLang="en-US" sz="2400" b="1" i="1" dirty="0">
+                <a:solidFill>
+                  <a:schemeClr val="bg1"/>
+                </a:solidFill>
+              </a:rPr>
+              <a:t>言語</a:t>
+            </a:r>
+            <a:r>
+              <a:rPr lang="ja-JP" altLang="en-US" sz="2400" b="1" i="1" dirty="0" smtClean="0">
+                <a:solidFill>
+                  <a:schemeClr val="bg1"/>
+                </a:solidFill>
+              </a:rPr>
+              <a:t>：</a:t>
+            </a:r>
+            <a:endParaRPr lang="en-US" altLang="ja-JP" sz="2400" b="1" i="1" dirty="0" smtClean="0">
+              <a:solidFill>
+                <a:schemeClr val="bg1"/>
+              </a:solidFill>
+            </a:endParaRPr>
+          </a:p>
+          <a:p>
+            <a:r>
+              <a:rPr lang="ja-JP" altLang="en-US" sz="2400" dirty="0" smtClean="0">
+                <a:solidFill>
+                  <a:schemeClr val="bg1"/>
+                </a:solidFill>
+              </a:rPr>
+              <a:t>　・</a:t>
+            </a:r>
+            <a:r>
+              <a:rPr lang="en-US" altLang="ja-JP" sz="2400" dirty="0" smtClean="0">
+                <a:solidFill>
+                  <a:schemeClr val="bg1"/>
+                </a:solidFill>
+              </a:rPr>
+              <a:t>C#</a:t>
+            </a:r>
+            <a:endParaRPr lang="ja-JP" altLang="en-US" sz="2400" dirty="0" smtClean="0">
+              <a:solidFill>
+                <a:schemeClr val="bg1"/>
+              </a:solidFill>
+            </a:endParaRPr>
+          </a:p>
+          <a:p>
+            <a:r>
+              <a:rPr lang="ja-JP" altLang="en-US" sz="2400" b="1" i="1" dirty="0" smtClean="0">
+                <a:solidFill>
+                  <a:schemeClr val="bg1"/>
+                </a:solidFill>
+              </a:rPr>
+              <a:t>開発</a:t>
+            </a:r>
+            <a:r>
+              <a:rPr lang="ja-JP" altLang="en-US" sz="2400" b="1" i="1" dirty="0">
+                <a:solidFill>
+                  <a:schemeClr val="bg1"/>
+                </a:solidFill>
+              </a:rPr>
+              <a:t>環境</a:t>
+            </a:r>
+            <a:r>
+              <a:rPr lang="ja-JP" altLang="en-US" sz="2400" b="1" i="1" dirty="0" smtClean="0">
+                <a:solidFill>
+                  <a:schemeClr val="bg1"/>
+                </a:solidFill>
+              </a:rPr>
+              <a:t>：</a:t>
+            </a:r>
+            <a:endParaRPr lang="en-US" altLang="ja-JP" sz="2400" b="1" i="1" dirty="0" smtClean="0">
+              <a:solidFill>
+                <a:schemeClr val="bg1"/>
+              </a:solidFill>
+            </a:endParaRPr>
+          </a:p>
+          <a:p>
+            <a:r>
+              <a:rPr lang="ja-JP" altLang="en-US" sz="2400" dirty="0" smtClean="0">
+                <a:solidFill>
+                  <a:schemeClr val="bg1"/>
+                </a:solidFill>
+              </a:rPr>
+              <a:t>　・</a:t>
+            </a:r>
+            <a:r>
+              <a:rPr lang="en-US" altLang="ja-JP" sz="2400" dirty="0" smtClean="0">
+                <a:solidFill>
+                  <a:schemeClr val="bg1"/>
+                </a:solidFill>
+              </a:rPr>
+              <a:t>Unity4.6</a:t>
+            </a:r>
+            <a:endParaRPr lang="ja-JP" altLang="en-US" sz="2400" dirty="0" smtClean="0">
+              <a:solidFill>
+                <a:schemeClr val="bg1"/>
+              </a:solidFill>
+            </a:endParaRPr>
+          </a:p>
+          <a:p>
+            <a:r>
+              <a:rPr lang="en-US" altLang="ja-JP" sz="2400" b="1" i="1" dirty="0" smtClean="0">
+                <a:solidFill>
+                  <a:schemeClr val="bg1"/>
+                </a:solidFill>
+              </a:rPr>
+              <a:t>PR</a:t>
+            </a:r>
+            <a:r>
+              <a:rPr lang="ja-JP" altLang="en-US" sz="2400" b="1" i="1" dirty="0">
+                <a:solidFill>
+                  <a:schemeClr val="bg1"/>
+                </a:solidFill>
+              </a:rPr>
+              <a:t>技術</a:t>
+            </a:r>
+            <a:r>
+              <a:rPr lang="ja-JP" altLang="en-US" sz="2400" b="1" i="1" dirty="0" smtClean="0">
+                <a:solidFill>
+                  <a:schemeClr val="bg1"/>
+                </a:solidFill>
+              </a:rPr>
+              <a:t>：</a:t>
+            </a:r>
+            <a:endParaRPr lang="en-US" altLang="ja-JP" sz="2400" b="1" i="1" dirty="0" smtClean="0">
+              <a:solidFill>
+                <a:schemeClr val="bg1"/>
+              </a:solidFill>
+            </a:endParaRPr>
+          </a:p>
+          <a:p>
+            <a:r>
+              <a:rPr lang="ja-JP" altLang="en-US" sz="2400" dirty="0" smtClean="0">
+                <a:solidFill>
+                  <a:schemeClr val="bg1"/>
+                </a:solidFill>
+              </a:rPr>
+              <a:t>　・</a:t>
+            </a:r>
+            <a:r>
+              <a:rPr lang="en-US" altLang="ja-JP" sz="2400" dirty="0" smtClean="0">
+                <a:solidFill>
+                  <a:schemeClr val="bg1"/>
+                </a:solidFill>
+              </a:rPr>
+              <a:t>Unity</a:t>
+            </a:r>
+            <a:r>
+              <a:rPr lang="ja-JP" altLang="en-US" sz="2400" dirty="0" smtClean="0">
+                <a:solidFill>
+                  <a:schemeClr val="bg1"/>
+                </a:solidFill>
+              </a:rPr>
+              <a:t>新要素</a:t>
+            </a:r>
+            <a:endParaRPr lang="en-US" altLang="ja-JP" sz="2400" dirty="0" smtClean="0">
+              <a:solidFill>
+                <a:schemeClr val="bg1"/>
+              </a:solidFill>
+            </a:endParaRPr>
+          </a:p>
+          <a:p>
+            <a:r>
+              <a:rPr lang="ja-JP" altLang="en-US" sz="2400" dirty="0">
+                <a:solidFill>
+                  <a:schemeClr val="bg1"/>
+                </a:solidFill>
+              </a:rPr>
+              <a:t>　</a:t>
+            </a:r>
+            <a:r>
+              <a:rPr lang="ja-JP" altLang="en-US" sz="2400" dirty="0" smtClean="0">
+                <a:solidFill>
+                  <a:schemeClr val="bg1"/>
+                </a:solidFill>
+              </a:rPr>
+              <a:t>・</a:t>
+            </a:r>
+            <a:r>
+              <a:rPr lang="ja-JP" altLang="en-US" sz="2400" dirty="0">
+                <a:solidFill>
+                  <a:schemeClr val="bg1"/>
+                </a:solidFill>
+              </a:rPr>
+              <a:t>ユーザー</a:t>
+            </a:r>
+            <a:r>
+              <a:rPr lang="ja-JP" altLang="en-US" sz="2400" dirty="0" smtClean="0">
+                <a:solidFill>
+                  <a:schemeClr val="bg1"/>
+                </a:solidFill>
+              </a:rPr>
+              <a:t>に不快感を与えない</a:t>
+            </a:r>
+            <a:r>
+              <a:rPr lang="ja-JP" altLang="en-US" sz="2400" dirty="0">
+                <a:solidFill>
+                  <a:schemeClr val="bg1"/>
+                </a:solidFill>
+              </a:rPr>
+              <a:t>ゲーム</a:t>
+            </a:r>
+            <a:r>
+              <a:rPr lang="ja-JP" altLang="en-US" sz="2400" dirty="0" smtClean="0">
+                <a:solidFill>
+                  <a:schemeClr val="bg1"/>
+                </a:solidFill>
+              </a:rPr>
+              <a:t>設計</a:t>
+            </a:r>
+            <a:endParaRPr lang="ja-JP" altLang="en-US" sz="2400" dirty="0">
+              <a:solidFill>
+                <a:schemeClr val="bg1"/>
+              </a:solidFill>
+            </a:endParaRPr>
+          </a:p>
+          <a:p>
+            <a:r>
+              <a:rPr lang="ja-JP" altLang="en-US" sz="2400" b="1" i="1" dirty="0">
+                <a:solidFill>
+                  <a:schemeClr val="bg1"/>
+                </a:solidFill>
+              </a:rPr>
+              <a:t>使用デバイス</a:t>
+            </a:r>
+            <a:r>
+              <a:rPr lang="ja-JP" altLang="en-US" sz="2400" b="1" i="1" dirty="0" smtClean="0">
+                <a:solidFill>
+                  <a:schemeClr val="bg1"/>
+                </a:solidFill>
+              </a:rPr>
+              <a:t>：</a:t>
+            </a:r>
+            <a:endParaRPr lang="en-US" altLang="ja-JP" sz="2400" b="1" i="1" dirty="0" smtClean="0">
+              <a:solidFill>
+                <a:schemeClr val="bg1"/>
+              </a:solidFill>
+            </a:endParaRPr>
+          </a:p>
+          <a:p>
+            <a:r>
+              <a:rPr lang="ja-JP" altLang="en-US" sz="2400" dirty="0">
+                <a:solidFill>
+                  <a:schemeClr val="bg1"/>
+                </a:solidFill>
+              </a:rPr>
+              <a:t>　</a:t>
+            </a:r>
+            <a:r>
+              <a:rPr lang="ja-JP" altLang="en-US" sz="2400" dirty="0" smtClean="0">
+                <a:solidFill>
+                  <a:schemeClr val="bg1"/>
+                </a:solidFill>
+              </a:rPr>
+              <a:t>・</a:t>
+            </a:r>
+            <a:r>
+              <a:rPr lang="en-US" altLang="ja-JP" sz="2400" dirty="0" smtClean="0">
+                <a:solidFill>
+                  <a:schemeClr val="bg1"/>
+                </a:solidFill>
+              </a:rPr>
+              <a:t>Android</a:t>
+            </a:r>
+            <a:endParaRPr lang="ja-JP" altLang="en-US" sz="2400" dirty="0">
+              <a:solidFill>
+                <a:schemeClr val="bg1"/>
+              </a:solidFill>
+            </a:endParaRPr>
+          </a:p>
+          <a:p>
+            <a:r>
+              <a:rPr lang="ja-JP" altLang="en-US" sz="2400" b="1" i="1" dirty="0">
+                <a:solidFill>
+                  <a:schemeClr val="bg1"/>
+                </a:solidFill>
+              </a:rPr>
+              <a:t>チーム　</a:t>
+            </a:r>
+            <a:r>
+              <a:rPr lang="en-US" altLang="ja-JP" sz="2400" b="1" i="1" dirty="0" smtClean="0">
+                <a:solidFill>
+                  <a:schemeClr val="bg1"/>
+                </a:solidFill>
+              </a:rPr>
+              <a:t>6</a:t>
+            </a:r>
+            <a:r>
+              <a:rPr lang="ja-JP" altLang="en-US" sz="2400" b="1" i="1" dirty="0" smtClean="0">
+                <a:solidFill>
+                  <a:schemeClr val="bg1"/>
+                </a:solidFill>
+              </a:rPr>
+              <a:t>人</a:t>
+            </a:r>
+            <a:endParaRPr lang="ja-JP" altLang="en-US" sz="2400" b="1" i="1" dirty="0">
+              <a:solidFill>
+                <a:schemeClr val="bg1"/>
+              </a:solidFill>
+            </a:endParaRPr>
+          </a:p>
+          <a:p>
+            <a:r>
+              <a:rPr lang="ja-JP" altLang="en-US" sz="2400" dirty="0" smtClean="0">
+                <a:solidFill>
+                  <a:schemeClr val="bg1"/>
+                </a:solidFill>
+              </a:rPr>
+              <a:t>　・鷲津</a:t>
+            </a:r>
+            <a:r>
+              <a:rPr lang="ja-JP" altLang="en-US" sz="2400" dirty="0">
+                <a:solidFill>
+                  <a:schemeClr val="bg1"/>
+                </a:solidFill>
+              </a:rPr>
+              <a:t>　俊太</a:t>
+            </a:r>
+            <a:endParaRPr lang="en-US" altLang="ja-JP" sz="2400" dirty="0">
+              <a:solidFill>
+                <a:schemeClr val="bg1"/>
+              </a:solidFill>
+            </a:endParaRPr>
+          </a:p>
+          <a:p>
+            <a:r>
+              <a:rPr lang="ja-JP" altLang="en-US" sz="2400" dirty="0" smtClean="0">
+                <a:solidFill>
+                  <a:schemeClr val="bg1"/>
+                </a:solidFill>
+              </a:rPr>
+              <a:t>　・浅尾</a:t>
+            </a:r>
+            <a:r>
+              <a:rPr lang="ja-JP" altLang="en-US" sz="2400" dirty="0">
+                <a:solidFill>
+                  <a:schemeClr val="bg1"/>
+                </a:solidFill>
+              </a:rPr>
+              <a:t>　宗彦</a:t>
+            </a:r>
+            <a:endParaRPr lang="en-US" altLang="ja-JP" sz="2400" dirty="0">
+              <a:solidFill>
+                <a:schemeClr val="bg1"/>
+              </a:solidFill>
+            </a:endParaRPr>
+          </a:p>
+          <a:p>
+            <a:r>
+              <a:rPr lang="ja-JP" altLang="en-US" sz="2400" dirty="0" smtClean="0">
+                <a:solidFill>
+                  <a:schemeClr val="bg1"/>
+                </a:solidFill>
+              </a:rPr>
+              <a:t>　・河辺</a:t>
+            </a:r>
+            <a:r>
+              <a:rPr lang="ja-JP" altLang="en-US" sz="2400" dirty="0">
+                <a:solidFill>
+                  <a:schemeClr val="bg1"/>
+                </a:solidFill>
+              </a:rPr>
+              <a:t>　拓也</a:t>
+            </a:r>
+            <a:endParaRPr lang="en-US" altLang="ja-JP" sz="2400" dirty="0">
+              <a:solidFill>
+                <a:schemeClr val="bg1"/>
+              </a:solidFill>
+            </a:endParaRPr>
+          </a:p>
+          <a:p>
+            <a:r>
+              <a:rPr lang="ja-JP" altLang="en-US" sz="2400" dirty="0" smtClean="0">
+                <a:solidFill>
+                  <a:schemeClr val="bg1"/>
+                </a:solidFill>
+              </a:rPr>
+              <a:t>　・瀧口</a:t>
+            </a:r>
+            <a:r>
+              <a:rPr lang="ja-JP" altLang="en-US" sz="2400" dirty="0">
+                <a:solidFill>
+                  <a:schemeClr val="bg1"/>
+                </a:solidFill>
+              </a:rPr>
+              <a:t>　昂成</a:t>
+            </a:r>
+            <a:endParaRPr lang="en-US" altLang="ja-JP" sz="2400" dirty="0">
+              <a:solidFill>
+                <a:schemeClr val="bg1"/>
+              </a:solidFill>
+            </a:endParaRPr>
+          </a:p>
+          <a:p>
+            <a:r>
+              <a:rPr lang="ja-JP" altLang="en-US" sz="2400" dirty="0" smtClean="0">
+                <a:solidFill>
+                  <a:schemeClr val="bg1"/>
+                </a:solidFill>
+              </a:rPr>
+              <a:t>　・兵藤</a:t>
+            </a:r>
+            <a:r>
+              <a:rPr lang="ja-JP" altLang="en-US" sz="2400" dirty="0">
+                <a:solidFill>
+                  <a:schemeClr val="bg1"/>
+                </a:solidFill>
+              </a:rPr>
+              <a:t>　慈憂座</a:t>
+            </a:r>
+            <a:endParaRPr lang="en-US" altLang="ja-JP" sz="2400" dirty="0">
+              <a:solidFill>
+                <a:schemeClr val="bg1"/>
+              </a:solidFill>
+            </a:endParaRPr>
+          </a:p>
+          <a:p>
+            <a:r>
+              <a:rPr lang="ja-JP" altLang="en-US" sz="2400" dirty="0" smtClean="0">
+                <a:solidFill>
+                  <a:schemeClr val="bg1"/>
+                </a:solidFill>
+              </a:rPr>
+              <a:t>　・森　　 勇介</a:t>
+            </a:r>
+            <a:endParaRPr lang="en-US" altLang="ja-JP" sz="2400" dirty="0" smtClean="0">
+              <a:solidFill>
+                <a:schemeClr val="bg1"/>
+              </a:solidFill>
+            </a:endParaRPr>
+          </a:p>
+          <a:p>
+            <a:r>
+              <a:rPr lang="ja-JP" altLang="en-US" sz="2400" b="1" i="1" dirty="0">
+                <a:solidFill>
+                  <a:schemeClr val="bg1"/>
+                </a:solidFill>
+              </a:rPr>
+              <a:t>ゲーム概要</a:t>
+            </a:r>
+            <a:r>
+              <a:rPr lang="en-US" altLang="ja-JP" sz="2400" dirty="0" smtClean="0">
+                <a:solidFill>
+                  <a:schemeClr val="bg1"/>
+                </a:solidFill>
+              </a:rPr>
+              <a:t>---------------------------------------------------------------</a:t>
+            </a:r>
+            <a:endParaRPr lang="ja-JP" altLang="en-US" sz="2400" dirty="0">
+              <a:solidFill>
+                <a:schemeClr val="bg1"/>
+              </a:solidFill>
+            </a:endParaRPr>
+          </a:p>
+          <a:p>
+            <a:r>
+              <a:rPr lang="ja-JP" altLang="en-US" sz="2400" dirty="0">
+                <a:solidFill>
+                  <a:schemeClr val="bg1"/>
+                </a:solidFill>
+              </a:rPr>
+              <a:t>キャッチコピー</a:t>
+            </a:r>
+            <a:r>
+              <a:rPr lang="ja-JP" altLang="en-US" sz="2400" dirty="0" smtClean="0">
+                <a:solidFill>
+                  <a:schemeClr val="bg1"/>
+                </a:solidFill>
+              </a:rPr>
+              <a:t>：</a:t>
+            </a:r>
+            <a:endParaRPr lang="en-US" altLang="ja-JP" sz="2400" dirty="0" smtClean="0">
+              <a:solidFill>
+                <a:schemeClr val="bg1"/>
+              </a:solidFill>
+            </a:endParaRPr>
+          </a:p>
+          <a:p>
+            <a:r>
+              <a:rPr lang="ja-JP" altLang="en-US" sz="2400" dirty="0" smtClean="0">
+                <a:solidFill>
+                  <a:schemeClr val="bg1"/>
+                </a:solidFill>
+              </a:rPr>
+              <a:t>　・迫り</a:t>
+            </a:r>
+            <a:r>
+              <a:rPr lang="ja-JP" altLang="en-US" sz="2400" dirty="0">
+                <a:solidFill>
+                  <a:schemeClr val="bg1"/>
+                </a:solidFill>
+              </a:rPr>
+              <a:t>くる敵の攻撃、罠を華麗に避け、逃げるボスを倒せ</a:t>
+            </a:r>
+            <a:endParaRPr lang="en-US" altLang="ja-JP" sz="2400" dirty="0">
+              <a:solidFill>
+                <a:schemeClr val="bg1"/>
+              </a:solidFill>
+            </a:endParaRPr>
+          </a:p>
+          <a:p>
+            <a:r>
+              <a:rPr lang="ja-JP" altLang="en-US" sz="2400" b="1" i="1" dirty="0">
+                <a:solidFill>
+                  <a:schemeClr val="bg1"/>
+                </a:solidFill>
+              </a:rPr>
+              <a:t>プレイ方法</a:t>
+            </a:r>
+            <a:r>
+              <a:rPr lang="en-US" altLang="ja-JP" sz="2400" dirty="0" smtClean="0">
+                <a:solidFill>
+                  <a:schemeClr val="bg1"/>
+                </a:solidFill>
+              </a:rPr>
+              <a:t>----------------------------------------------------------------</a:t>
+            </a:r>
+            <a:endParaRPr lang="en-US" altLang="ja-JP" sz="2400" dirty="0">
+              <a:solidFill>
+                <a:schemeClr val="bg1"/>
+              </a:solidFill>
+            </a:endParaRPr>
+          </a:p>
+          <a:p>
+            <a:r>
+              <a:rPr lang="ja-JP" altLang="en-US" sz="2400" dirty="0" smtClean="0">
+                <a:solidFill>
+                  <a:schemeClr val="bg1"/>
+                </a:solidFill>
+              </a:rPr>
+              <a:t>　</a:t>
+            </a:r>
+            <a:r>
+              <a:rPr lang="ja-JP" altLang="en-US" sz="2400" dirty="0">
+                <a:solidFill>
+                  <a:schemeClr val="bg1"/>
+                </a:solidFill>
+              </a:rPr>
+              <a:t>　  </a:t>
+            </a:r>
+            <a:r>
+              <a:rPr lang="ja-JP" altLang="en-US" sz="2400" dirty="0" smtClean="0">
+                <a:solidFill>
+                  <a:schemeClr val="bg1"/>
+                </a:solidFill>
+              </a:rPr>
+              <a:t>移動</a:t>
+            </a:r>
+            <a:r>
+              <a:rPr lang="en-US" altLang="ja-JP" sz="2400" dirty="0">
+                <a:solidFill>
+                  <a:schemeClr val="bg1"/>
+                </a:solidFill>
+              </a:rPr>
+              <a:t> </a:t>
+            </a:r>
+            <a:r>
+              <a:rPr lang="en-US" altLang="ja-JP" sz="2400" dirty="0" smtClean="0">
+                <a:solidFill>
+                  <a:schemeClr val="bg1"/>
+                </a:solidFill>
+              </a:rPr>
+              <a:t>      </a:t>
+            </a:r>
+            <a:r>
+              <a:rPr lang="ja-JP" altLang="en-US" sz="2400" dirty="0" smtClean="0">
+                <a:solidFill>
+                  <a:schemeClr val="bg1"/>
+                </a:solidFill>
+              </a:rPr>
+              <a:t>：</a:t>
+            </a:r>
+            <a:r>
+              <a:rPr lang="ja-JP" altLang="en-US" sz="2400" dirty="0">
+                <a:solidFill>
+                  <a:schemeClr val="bg1"/>
+                </a:solidFill>
+              </a:rPr>
+              <a:t>バーチャルパッド</a:t>
+            </a:r>
+            <a:endParaRPr lang="en-US" altLang="ja-JP" sz="2400" dirty="0">
+              <a:solidFill>
+                <a:schemeClr val="bg1"/>
+              </a:solidFill>
+            </a:endParaRPr>
+          </a:p>
+          <a:p>
+            <a:r>
+              <a:rPr lang="ja-JP" altLang="en-US" sz="2400" dirty="0" smtClean="0">
+                <a:solidFill>
+                  <a:schemeClr val="bg1"/>
+                </a:solidFill>
+              </a:rPr>
+              <a:t>　アクション   ：タッチ</a:t>
+            </a:r>
+            <a:endParaRPr lang="ja-JP" altLang="en-US" sz="2400" dirty="0">
+              <a:solidFill>
+                <a:schemeClr val="bg1"/>
+              </a:solidFill>
+            </a:endParaRPr>
+          </a:p>
+        </p:txBody>
+      </p:sp>
+      <p:pic>
+        <p:nvPicPr>
+          <p:cNvPr id="1026" name="Picture 2" descr="C:\Users\Yusuke\Desktop\teamrogo.png"/>
+          <p:cNvPicPr>
+            <a:picLocks noChangeAspect="1" noChangeArrowheads="1"/>
+          </p:cNvPicPr>
           <p:nvPr/>
-        </p:nvSpPr>
-        <p:spPr>
-          <a:xfrm flipH="1">
-            <a:off x="56184" y="666699"/>
-            <a:ext cx="12745416" cy="6632585"/>
+        </p:nvPicPr>
+        <p:blipFill>
+          <a:blip r:embed="rId3">
+            <a:extLst>
+              <a:ext uri="{28A0092B-C50C-407E-A947-70E740481C1C}">
+                <a14:useLocalDpi xmlns:a14="http://schemas.microsoft.com/office/drawing/2010/main" val="0"/>
+              </a:ext>
+            </a:extLst>
+          </a:blip>
+          <a:srcRect/>
+          <a:stretch>
+            <a:fillRect/>
+          </a:stretch>
+        </p:blipFill>
+        <p:spPr bwMode="auto">
+          <a:xfrm>
+            <a:off x="7156318" y="6744817"/>
+            <a:ext cx="6113680" cy="3057338"/>
           </a:xfrm>
           <a:prstGeom prst="rect">
             <a:avLst/>
           </a:prstGeom>
           <a:noFill/>
+          <a:extLst>
+            <a:ext uri="{909E8E84-426E-40DD-AFC4-6F175D3DCCD1}">
+              <a14:hiddenFill xmlns:a14="http://schemas.microsoft.com/office/drawing/2010/main">
+                <a:solidFill>
+                  <a:srgbClr val="FFFFFF"/>
+                </a:solidFill>
+              </a14:hiddenFill>
+            </a:ext>
+          </a:extLst>
         </p:spPr>
-        <p:txBody>
-          <a:bodyPr wrap="square" rtlCol="0">
-            <a:spAutoFit/>
-          </a:bodyPr>
-          <a:lstStyle/>
-          <a:p>
-            <a:r>
-              <a:rPr lang="ja-JP" altLang="en-US" dirty="0">
-                <a:solidFill>
-                  <a:schemeClr val="bg1"/>
-                </a:solidFill>
-              </a:rPr>
-              <a:t>作品名</a:t>
-            </a:r>
-            <a:r>
-              <a:rPr lang="ja-JP" altLang="en-US" dirty="0" smtClean="0">
-                <a:solidFill>
-                  <a:schemeClr val="bg1"/>
-                </a:solidFill>
-              </a:rPr>
-              <a:t>：</a:t>
-            </a:r>
-            <a:r>
-              <a:rPr lang="en-US" altLang="ja-JP" dirty="0" smtClean="0">
-                <a:solidFill>
-                  <a:schemeClr val="bg1"/>
-                </a:solidFill>
-              </a:rPr>
-              <a:t>Survivor</a:t>
-            </a:r>
-            <a:endParaRPr lang="ja-JP" altLang="en-US" dirty="0">
-              <a:solidFill>
-                <a:schemeClr val="bg1"/>
-              </a:solidFill>
-            </a:endParaRPr>
-          </a:p>
-          <a:p>
-            <a:r>
-              <a:rPr lang="ja-JP" altLang="en-US" dirty="0">
-                <a:solidFill>
-                  <a:schemeClr val="bg1"/>
-                </a:solidFill>
-              </a:rPr>
-              <a:t>使用言語</a:t>
-            </a:r>
-            <a:r>
-              <a:rPr lang="ja-JP" altLang="en-US" dirty="0" smtClean="0">
-                <a:solidFill>
-                  <a:schemeClr val="bg1"/>
-                </a:solidFill>
-              </a:rPr>
-              <a:t>：</a:t>
-            </a:r>
-            <a:r>
-              <a:rPr lang="en-US" altLang="ja-JP" dirty="0" smtClean="0">
-                <a:solidFill>
-                  <a:schemeClr val="bg1"/>
-                </a:solidFill>
-              </a:rPr>
-              <a:t>C#</a:t>
-            </a:r>
-            <a:endParaRPr lang="ja-JP" altLang="en-US" dirty="0">
-              <a:solidFill>
-                <a:schemeClr val="bg1"/>
-              </a:solidFill>
-            </a:endParaRPr>
-          </a:p>
-          <a:p>
-            <a:r>
-              <a:rPr lang="ja-JP" altLang="en-US" dirty="0">
-                <a:solidFill>
-                  <a:schemeClr val="bg1"/>
-                </a:solidFill>
-              </a:rPr>
-              <a:t>開発環境</a:t>
-            </a:r>
-            <a:r>
-              <a:rPr lang="ja-JP" altLang="en-US" dirty="0" smtClean="0">
-                <a:solidFill>
-                  <a:schemeClr val="bg1"/>
-                </a:solidFill>
-              </a:rPr>
-              <a:t>：</a:t>
-            </a:r>
-            <a:r>
-              <a:rPr lang="en-US" altLang="ja-JP" dirty="0" smtClean="0">
-                <a:solidFill>
-                  <a:schemeClr val="bg1"/>
-                </a:solidFill>
-              </a:rPr>
-              <a:t>Unity4.6</a:t>
-            </a:r>
-            <a:endParaRPr lang="ja-JP" altLang="en-US" dirty="0">
-              <a:solidFill>
-                <a:schemeClr val="bg1"/>
-              </a:solidFill>
-            </a:endParaRPr>
-          </a:p>
-          <a:p>
-            <a:r>
-              <a:rPr lang="en-US" altLang="ja-JP" dirty="0">
-                <a:solidFill>
-                  <a:schemeClr val="bg1"/>
-                </a:solidFill>
-              </a:rPr>
-              <a:t>PR</a:t>
-            </a:r>
-            <a:r>
-              <a:rPr lang="ja-JP" altLang="en-US" dirty="0">
-                <a:solidFill>
-                  <a:schemeClr val="bg1"/>
-                </a:solidFill>
-              </a:rPr>
-              <a:t>技術</a:t>
-            </a:r>
-            <a:r>
-              <a:rPr lang="ja-JP" altLang="en-US" dirty="0" smtClean="0">
-                <a:solidFill>
-                  <a:schemeClr val="bg1"/>
-                </a:solidFill>
-              </a:rPr>
-              <a:t>：</a:t>
-            </a:r>
-            <a:r>
-              <a:rPr lang="en-US" altLang="ja-JP" dirty="0" smtClean="0">
-                <a:solidFill>
-                  <a:schemeClr val="bg1"/>
-                </a:solidFill>
-              </a:rPr>
-              <a:t>Unity</a:t>
-            </a:r>
-            <a:r>
-              <a:rPr lang="ja-JP" altLang="en-US" dirty="0" smtClean="0">
-                <a:solidFill>
-                  <a:schemeClr val="bg1"/>
-                </a:solidFill>
-              </a:rPr>
-              <a:t>新要素、プレイヤーに不快感を与えない設計</a:t>
-            </a:r>
-            <a:endParaRPr lang="ja-JP" altLang="en-US" dirty="0">
-              <a:solidFill>
-                <a:schemeClr val="bg1"/>
-              </a:solidFill>
-            </a:endParaRPr>
-          </a:p>
-          <a:p>
-            <a:r>
-              <a:rPr lang="ja-JP" altLang="en-US" dirty="0">
-                <a:solidFill>
-                  <a:schemeClr val="bg1"/>
-                </a:solidFill>
-              </a:rPr>
-              <a:t>使用デバイス</a:t>
-            </a:r>
-            <a:r>
-              <a:rPr lang="ja-JP" altLang="en-US" dirty="0" smtClean="0">
-                <a:solidFill>
-                  <a:schemeClr val="bg1"/>
-                </a:solidFill>
-              </a:rPr>
-              <a:t>：</a:t>
-            </a:r>
-            <a:r>
-              <a:rPr lang="en-US" altLang="ja-JP" dirty="0">
-                <a:solidFill>
-                  <a:schemeClr val="bg1"/>
-                </a:solidFill>
-              </a:rPr>
-              <a:t>Android</a:t>
-            </a:r>
-            <a:endParaRPr lang="ja-JP" altLang="en-US" dirty="0">
-              <a:solidFill>
-                <a:schemeClr val="bg1"/>
-              </a:solidFill>
-            </a:endParaRPr>
-          </a:p>
-          <a:p>
-            <a:r>
-              <a:rPr lang="ja-JP" altLang="en-US" dirty="0">
-                <a:solidFill>
-                  <a:schemeClr val="bg1"/>
-                </a:solidFill>
-              </a:rPr>
-              <a:t>チーム　</a:t>
-            </a:r>
-            <a:r>
-              <a:rPr lang="en-US" altLang="ja-JP" dirty="0" smtClean="0">
-                <a:solidFill>
-                  <a:schemeClr val="bg1"/>
-                </a:solidFill>
-              </a:rPr>
-              <a:t>6</a:t>
-            </a:r>
-            <a:r>
-              <a:rPr lang="ja-JP" altLang="en-US" dirty="0" smtClean="0">
-                <a:solidFill>
-                  <a:schemeClr val="bg1"/>
-                </a:solidFill>
-              </a:rPr>
-              <a:t>人</a:t>
-            </a:r>
-            <a:endParaRPr lang="ja-JP" altLang="en-US" dirty="0">
-              <a:solidFill>
-                <a:schemeClr val="bg1"/>
-              </a:solidFill>
-            </a:endParaRPr>
-          </a:p>
-          <a:p>
-            <a:r>
-              <a:rPr lang="ja-JP" altLang="en-US" dirty="0" smtClean="0">
-                <a:solidFill>
-                  <a:schemeClr val="bg1"/>
-                </a:solidFill>
-              </a:rPr>
-              <a:t>・鷲津</a:t>
-            </a:r>
-            <a:r>
-              <a:rPr lang="ja-JP" altLang="en-US" dirty="0">
-                <a:solidFill>
-                  <a:schemeClr val="bg1"/>
-                </a:solidFill>
-              </a:rPr>
-              <a:t>　俊太</a:t>
-            </a:r>
-            <a:endParaRPr lang="en-US" altLang="ja-JP" dirty="0">
-              <a:solidFill>
-                <a:schemeClr val="bg1"/>
-              </a:solidFill>
-            </a:endParaRPr>
-          </a:p>
-          <a:p>
-            <a:r>
-              <a:rPr lang="ja-JP" altLang="en-US" dirty="0" smtClean="0">
-                <a:solidFill>
-                  <a:schemeClr val="bg1"/>
-                </a:solidFill>
-              </a:rPr>
-              <a:t>・浅尾</a:t>
-            </a:r>
-            <a:r>
-              <a:rPr lang="ja-JP" altLang="en-US" dirty="0">
-                <a:solidFill>
-                  <a:schemeClr val="bg1"/>
-                </a:solidFill>
-              </a:rPr>
-              <a:t>　宗彦</a:t>
-            </a:r>
-            <a:endParaRPr lang="en-US" altLang="ja-JP" dirty="0">
-              <a:solidFill>
-                <a:schemeClr val="bg1"/>
-              </a:solidFill>
-            </a:endParaRPr>
-          </a:p>
-          <a:p>
-            <a:r>
-              <a:rPr lang="ja-JP" altLang="en-US" dirty="0" smtClean="0">
-                <a:solidFill>
-                  <a:schemeClr val="bg1"/>
-                </a:solidFill>
-              </a:rPr>
-              <a:t>・河辺</a:t>
-            </a:r>
-            <a:r>
-              <a:rPr lang="ja-JP" altLang="en-US" dirty="0">
-                <a:solidFill>
-                  <a:schemeClr val="bg1"/>
-                </a:solidFill>
-              </a:rPr>
-              <a:t>　拓也</a:t>
-            </a:r>
-            <a:endParaRPr lang="en-US" altLang="ja-JP" dirty="0">
-              <a:solidFill>
-                <a:schemeClr val="bg1"/>
-              </a:solidFill>
-            </a:endParaRPr>
-          </a:p>
-          <a:p>
-            <a:r>
-              <a:rPr lang="ja-JP" altLang="en-US" dirty="0" smtClean="0">
-                <a:solidFill>
-                  <a:schemeClr val="bg1"/>
-                </a:solidFill>
-              </a:rPr>
-              <a:t>・瀧口</a:t>
-            </a:r>
-            <a:r>
-              <a:rPr lang="ja-JP" altLang="en-US" dirty="0">
-                <a:solidFill>
-                  <a:schemeClr val="bg1"/>
-                </a:solidFill>
-              </a:rPr>
-              <a:t>　昂成</a:t>
-            </a:r>
-            <a:endParaRPr lang="en-US" altLang="ja-JP" dirty="0">
-              <a:solidFill>
-                <a:schemeClr val="bg1"/>
-              </a:solidFill>
-            </a:endParaRPr>
-          </a:p>
-          <a:p>
-            <a:r>
-              <a:rPr lang="ja-JP" altLang="en-US" dirty="0" smtClean="0">
-                <a:solidFill>
-                  <a:schemeClr val="bg1"/>
-                </a:solidFill>
-              </a:rPr>
-              <a:t>・兵藤</a:t>
-            </a:r>
-            <a:r>
-              <a:rPr lang="ja-JP" altLang="en-US" dirty="0">
-                <a:solidFill>
-                  <a:schemeClr val="bg1"/>
-                </a:solidFill>
-              </a:rPr>
-              <a:t>　慈憂座</a:t>
-            </a:r>
-            <a:endParaRPr lang="en-US" altLang="ja-JP" dirty="0">
-              <a:solidFill>
-                <a:schemeClr val="bg1"/>
-              </a:solidFill>
-            </a:endParaRPr>
-          </a:p>
-          <a:p>
-            <a:r>
-              <a:rPr lang="ja-JP" altLang="en-US" dirty="0" smtClean="0">
-                <a:solidFill>
-                  <a:schemeClr val="bg1"/>
-                </a:solidFill>
-              </a:rPr>
-              <a:t>・森　　 勇</a:t>
-            </a:r>
-            <a:r>
-              <a:rPr lang="ja-JP" altLang="en-US" dirty="0">
-                <a:solidFill>
-                  <a:schemeClr val="bg1"/>
-                </a:solidFill>
-              </a:rPr>
-              <a:t>介</a:t>
-            </a:r>
-            <a:endParaRPr lang="en-US" altLang="ja-JP" dirty="0">
-              <a:solidFill>
-                <a:schemeClr val="bg1"/>
-              </a:solidFill>
-            </a:endParaRPr>
-          </a:p>
-          <a:p>
-            <a:endParaRPr lang="ja-JP" altLang="en-US" dirty="0">
-              <a:solidFill>
-                <a:schemeClr val="bg1"/>
-              </a:solidFill>
-            </a:endParaRPr>
-          </a:p>
-          <a:p>
-            <a:r>
-              <a:rPr lang="ja-JP" altLang="en-US" dirty="0">
-                <a:solidFill>
-                  <a:schemeClr val="bg1"/>
-                </a:solidFill>
-              </a:rPr>
-              <a:t>ゲーム概要</a:t>
-            </a:r>
-          </a:p>
-          <a:p>
-            <a:r>
-              <a:rPr lang="ja-JP" altLang="en-US" dirty="0">
-                <a:solidFill>
-                  <a:schemeClr val="bg1"/>
-                </a:solidFill>
-              </a:rPr>
-              <a:t>キャッチコピー</a:t>
-            </a:r>
-            <a:r>
-              <a:rPr lang="ja-JP" altLang="en-US" dirty="0" smtClean="0">
-                <a:solidFill>
-                  <a:schemeClr val="bg1"/>
-                </a:solidFill>
-              </a:rPr>
-              <a:t>：避けて近</a:t>
-            </a:r>
-            <a:r>
-              <a:rPr lang="ja-JP" altLang="en-US" dirty="0" err="1" smtClean="0">
-                <a:solidFill>
-                  <a:schemeClr val="bg1"/>
-                </a:solidFill>
-              </a:rPr>
-              <a:t>じて</a:t>
-            </a:r>
-            <a:r>
-              <a:rPr lang="ja-JP" altLang="en-US" smtClean="0">
-                <a:solidFill>
-                  <a:schemeClr val="bg1"/>
-                </a:solidFill>
-              </a:rPr>
-              <a:t>倒せ！！</a:t>
-            </a:r>
-            <a:endParaRPr lang="ja-JP" altLang="en-US" dirty="0">
-              <a:solidFill>
-                <a:schemeClr val="bg1"/>
-              </a:solidFill>
-            </a:endParaRPr>
-          </a:p>
-          <a:p>
-            <a:endParaRPr lang="ja-JP" altLang="en-US" dirty="0">
-              <a:solidFill>
-                <a:schemeClr val="bg1"/>
-              </a:solidFill>
-            </a:endParaRPr>
-          </a:p>
-          <a:p>
-            <a:r>
-              <a:rPr lang="ja-JP" altLang="en-US" dirty="0">
-                <a:solidFill>
-                  <a:schemeClr val="bg1"/>
-                </a:solidFill>
-              </a:rPr>
-              <a:t>プレイ</a:t>
-            </a:r>
-            <a:r>
-              <a:rPr lang="ja-JP" altLang="en-US" dirty="0" smtClean="0">
-                <a:solidFill>
-                  <a:schemeClr val="bg1"/>
-                </a:solidFill>
-              </a:rPr>
-              <a:t>方法</a:t>
-            </a:r>
-            <a:endParaRPr lang="ja-JP" altLang="en-US" dirty="0">
-              <a:solidFill>
-                <a:schemeClr val="bg1"/>
-              </a:solidFill>
-            </a:endParaRPr>
-          </a:p>
-        </p:txBody>
-      </p:sp>
+      </p:pic>
     </p:spTree>
     <p:extLst>
       <p:ext uri="{BB962C8B-B14F-4D97-AF65-F5344CB8AC3E}">
